--- a/advertisement.pptx
+++ b/advertisement.pptx
@@ -12,10 +12,15 @@
     <p:sldId id="263" r:id="rId4"/>
     <p:sldId id="264" r:id="rId5"/>
     <p:sldId id="261" r:id="rId6"/>
-    <p:sldId id="258" r:id="rId7"/>
-    <p:sldId id="259" r:id="rId8"/>
-    <p:sldId id="260" r:id="rId9"/>
-    <p:sldId id="262" r:id="rId10"/>
+    <p:sldId id="265" r:id="rId7"/>
+    <p:sldId id="266" r:id="rId8"/>
+    <p:sldId id="267" r:id="rId9"/>
+    <p:sldId id="268" r:id="rId10"/>
+    <p:sldId id="269" r:id="rId11"/>
+    <p:sldId id="258" r:id="rId12"/>
+    <p:sldId id="259" r:id="rId13"/>
+    <p:sldId id="260" r:id="rId14"/>
+    <p:sldId id="262" r:id="rId15"/>
   </p:sldIdLst>
   <p:sldSz cx="12192000" cy="6858000"/>
   <p:notesSz cx="6858000" cy="9144000"/>
@@ -204,7 +209,7 @@
           <a:p>
             <a:fld id="{CF1DFB02-877E-4F11-BB02-3C317D902EA3}" type="datetimeFigureOut">
               <a:rPr lang="en-US" smtClean="0"/>
-              <a:t>2/7/2023</a:t>
+              <a:t>2/9/2023</a:t>
             </a:fld>
             <a:endParaRPr lang="en-US"/>
           </a:p>
@@ -568,6 +573,406 @@
 </p:notes>
 </file>
 
+<file path=ppt/notesSlides/notesSlide10.xml><?xml version="1.0" encoding="utf-8"?>
+<p:notes xmlns:a="http://schemas.openxmlformats.org/drawingml/2006/main" xmlns:r="http://schemas.openxmlformats.org/officeDocument/2006/relationships" xmlns:p="http://schemas.openxmlformats.org/presentationml/2006/main">
+  <p:cSld>
+    <p:spTree>
+      <p:nvGrpSpPr>
+        <p:cNvPr id="1" name=""/>
+        <p:cNvGrpSpPr/>
+        <p:nvPr/>
+      </p:nvGrpSpPr>
+      <p:grpSpPr>
+        <a:xfrm>
+          <a:off x="0" y="0"/>
+          <a:ext cx="0" cy="0"/>
+          <a:chOff x="0" y="0"/>
+          <a:chExt cx="0" cy="0"/>
+        </a:xfrm>
+      </p:grpSpPr>
+      <p:sp>
+        <p:nvSpPr>
+          <p:cNvPr id="2" name="Espace réservé à l'image de la diapositive 1"/>
+          <p:cNvSpPr>
+            <a:spLocks noGrp="1" noRot="1" noChangeAspect="1" noEditPoints="1"/>
+          </p:cNvSpPr>
+          <p:nvPr>
+            <p:ph type="sldImg"/>
+          </p:nvPr>
+        </p:nvSpPr>
+        <p:spPr>
+          <a:xfrm>
+            <a:off x="381000" y="685800"/>
+            <a:ext cx="6096000" cy="3429000"/>
+          </a:xfrm>
+          <a:prstGeom prst="rect">
+            <a:avLst/>
+          </a:prstGeom>
+        </p:spPr>
+        <p:txBody>
+          <a:bodyPr/>
+          <a:lstStyle/>
+          <a:p/>
+        </p:txBody>
+      </p:sp>
+      <p:sp>
+        <p:nvSpPr>
+          <p:cNvPr id="3" name="Espace réservé au texte 2"/>
+          <p:cNvSpPr>
+            <a:spLocks noGrp="1" noEditPoints="1"/>
+          </p:cNvSpPr>
+          <p:nvPr>
+            <p:ph type="body" idx="3"/>
+          </p:nvPr>
+        </p:nvSpPr>
+        <p:spPr>
+          <a:prstGeom prst="rect">
+            <a:avLst/>
+          </a:prstGeom>
+        </p:spPr>
+        <p:txBody>
+          <a:bodyPr/>
+          <a:lstStyle/>
+          <a:p>
+            <a:endParaRPr lang="en-US"/>
+          </a:p>
+        </p:txBody>
+      </p:sp>
+      <p:sp>
+        <p:nvSpPr>
+          <p:cNvPr id="4" name="Espace réservé au numéro de diapositive 3"/>
+          <p:cNvSpPr>
+            <a:spLocks noGrp="1" noEditPoints="1"/>
+          </p:cNvSpPr>
+          <p:nvPr>
+            <p:ph type="sldNum" sz="quarter" idx="5"/>
+          </p:nvPr>
+        </p:nvSpPr>
+        <p:spPr>
+          <a:prstGeom prst="rect">
+            <a:avLst/>
+          </a:prstGeom>
+        </p:spPr>
+        <p:txBody>
+          <a:bodyPr/>
+          <a:lstStyle/>
+          <a:p>
+            <a:fld id="{D8E29142-B52D-4D1D-886B-ECA4405FD0E6}" type="slidenum">
+              <a:rPr lang="en-US" smtClean="0"/>
+              <a:t>‹#›</a:t>
+            </a:fld>
+            <a:endParaRPr lang="en-US"/>
+          </a:p>
+        </p:txBody>
+      </p:sp>
+    </p:spTree>
+  </p:cSld>
+  <p:clrMapOvr>
+    <a:masterClrMapping/>
+  </p:clrMapOvr>
+</p:notes>
+</file>
+
+<file path=ppt/notesSlides/notesSlide11.xml><?xml version="1.0" encoding="utf-8"?>
+<p:notes xmlns:a="http://schemas.openxmlformats.org/drawingml/2006/main" xmlns:r="http://schemas.openxmlformats.org/officeDocument/2006/relationships" xmlns:p="http://schemas.openxmlformats.org/presentationml/2006/main">
+  <p:cSld>
+    <p:spTree>
+      <p:nvGrpSpPr>
+        <p:cNvPr id="1" name=""/>
+        <p:cNvGrpSpPr/>
+        <p:nvPr/>
+      </p:nvGrpSpPr>
+      <p:grpSpPr>
+        <a:xfrm>
+          <a:off x="0" y="0"/>
+          <a:ext cx="0" cy="0"/>
+          <a:chOff x="0" y="0"/>
+          <a:chExt cx="0" cy="0"/>
+        </a:xfrm>
+      </p:grpSpPr>
+      <p:sp>
+        <p:nvSpPr>
+          <p:cNvPr id="2" name="Espace réservé à l'image de la diapositive 1"/>
+          <p:cNvSpPr>
+            <a:spLocks noGrp="1" noRot="1" noChangeAspect="1" noEditPoints="1"/>
+          </p:cNvSpPr>
+          <p:nvPr>
+            <p:ph type="sldImg"/>
+          </p:nvPr>
+        </p:nvSpPr>
+        <p:spPr>
+          <a:xfrm>
+            <a:off x="381000" y="685800"/>
+            <a:ext cx="6096000" cy="3429000"/>
+          </a:xfrm>
+          <a:prstGeom prst="rect">
+            <a:avLst/>
+          </a:prstGeom>
+        </p:spPr>
+        <p:txBody>
+          <a:bodyPr/>
+          <a:lstStyle/>
+          <a:p/>
+        </p:txBody>
+      </p:sp>
+      <p:sp>
+        <p:nvSpPr>
+          <p:cNvPr id="3" name="Espace réservé au texte 2"/>
+          <p:cNvSpPr>
+            <a:spLocks noGrp="1" noEditPoints="1"/>
+          </p:cNvSpPr>
+          <p:nvPr>
+            <p:ph type="body" idx="3"/>
+          </p:nvPr>
+        </p:nvSpPr>
+        <p:spPr>
+          <a:prstGeom prst="rect">
+            <a:avLst/>
+          </a:prstGeom>
+        </p:spPr>
+        <p:txBody>
+          <a:bodyPr/>
+          <a:lstStyle/>
+          <a:p>
+            <a:endParaRPr lang="en-US"/>
+          </a:p>
+        </p:txBody>
+      </p:sp>
+      <p:sp>
+        <p:nvSpPr>
+          <p:cNvPr id="4" name="Espace réservé au numéro de diapositive 3"/>
+          <p:cNvSpPr>
+            <a:spLocks noGrp="1" noEditPoints="1"/>
+          </p:cNvSpPr>
+          <p:nvPr>
+            <p:ph type="sldNum" sz="quarter" idx="5"/>
+          </p:nvPr>
+        </p:nvSpPr>
+        <p:spPr>
+          <a:prstGeom prst="rect">
+            <a:avLst/>
+          </a:prstGeom>
+        </p:spPr>
+        <p:txBody>
+          <a:bodyPr/>
+          <a:lstStyle/>
+          <a:p>
+            <a:fld id="{67A09FE5-D1C6-4C50-A060-3C3171190010}" type="slidenum">
+              <a:rPr lang="en-US" smtClean="0"/>
+              <a:t>‹#›</a:t>
+            </a:fld>
+            <a:endParaRPr lang="en-US"/>
+          </a:p>
+        </p:txBody>
+      </p:sp>
+    </p:spTree>
+  </p:cSld>
+  <p:clrMapOvr>
+    <a:masterClrMapping/>
+  </p:clrMapOvr>
+</p:notes>
+</file>
+
+<file path=ppt/notesSlides/notesSlide12.xml><?xml version="1.0" encoding="utf-8"?>
+<p:notes xmlns:a="http://schemas.openxmlformats.org/drawingml/2006/main" xmlns:r="http://schemas.openxmlformats.org/officeDocument/2006/relationships" xmlns:p="http://schemas.openxmlformats.org/presentationml/2006/main">
+  <p:cSld>
+    <p:spTree>
+      <p:nvGrpSpPr>
+        <p:cNvPr id="1" name=""/>
+        <p:cNvGrpSpPr/>
+        <p:nvPr/>
+      </p:nvGrpSpPr>
+      <p:grpSpPr>
+        <a:xfrm>
+          <a:off x="0" y="0"/>
+          <a:ext cx="0" cy="0"/>
+          <a:chOff x="0" y="0"/>
+          <a:chExt cx="0" cy="0"/>
+        </a:xfrm>
+      </p:grpSpPr>
+      <p:sp>
+        <p:nvSpPr>
+          <p:cNvPr id="2" name="Espace réservé à l'image de la diapositive 1"/>
+          <p:cNvSpPr>
+            <a:spLocks noGrp="1" noRot="1" noChangeAspect="1" noEditPoints="1"/>
+          </p:cNvSpPr>
+          <p:nvPr>
+            <p:ph type="sldImg"/>
+          </p:nvPr>
+        </p:nvSpPr>
+        <p:spPr>
+          <a:xfrm>
+            <a:off x="381000" y="685800"/>
+            <a:ext cx="6096000" cy="3429000"/>
+          </a:xfrm>
+          <a:prstGeom prst="rect">
+            <a:avLst/>
+          </a:prstGeom>
+        </p:spPr>
+        <p:txBody>
+          <a:bodyPr/>
+          <a:lstStyle/>
+          <a:p/>
+        </p:txBody>
+      </p:sp>
+      <p:sp>
+        <p:nvSpPr>
+          <p:cNvPr id="3" name="Espace réservé au texte 2"/>
+          <p:cNvSpPr>
+            <a:spLocks noGrp="1" noEditPoints="1"/>
+          </p:cNvSpPr>
+          <p:nvPr>
+            <p:ph type="body" idx="3"/>
+          </p:nvPr>
+        </p:nvSpPr>
+        <p:spPr>
+          <a:prstGeom prst="rect">
+            <a:avLst/>
+          </a:prstGeom>
+        </p:spPr>
+        <p:txBody>
+          <a:bodyPr/>
+          <a:lstStyle/>
+          <a:p>
+            <a:endParaRPr lang="en-US"/>
+          </a:p>
+        </p:txBody>
+      </p:sp>
+      <p:sp>
+        <p:nvSpPr>
+          <p:cNvPr id="4" name="Espace réservé au numéro de diapositive 3"/>
+          <p:cNvSpPr>
+            <a:spLocks noGrp="1" noEditPoints="1"/>
+          </p:cNvSpPr>
+          <p:nvPr>
+            <p:ph type="sldNum" sz="quarter" idx="5"/>
+          </p:nvPr>
+        </p:nvSpPr>
+        <p:spPr>
+          <a:prstGeom prst="rect">
+            <a:avLst/>
+          </a:prstGeom>
+        </p:spPr>
+        <p:txBody>
+          <a:bodyPr/>
+          <a:lstStyle/>
+          <a:p>
+            <a:fld id="{E41A667E-956E-44C2-B5C3-1B399654FF8C}" type="slidenum">
+              <a:rPr lang="en-US" smtClean="0"/>
+              <a:t>‹#›</a:t>
+            </a:fld>
+            <a:endParaRPr lang="en-US"/>
+          </a:p>
+        </p:txBody>
+      </p:sp>
+    </p:spTree>
+  </p:cSld>
+  <p:clrMapOvr>
+    <a:masterClrMapping/>
+  </p:clrMapOvr>
+</p:notes>
+</file>
+
+<file path=ppt/notesSlides/notesSlide13.xml><?xml version="1.0" encoding="utf-8"?>
+<p:notes xmlns:a="http://schemas.openxmlformats.org/drawingml/2006/main" xmlns:r="http://schemas.openxmlformats.org/officeDocument/2006/relationships" xmlns:p="http://schemas.openxmlformats.org/presentationml/2006/main">
+  <p:cSld>
+    <p:spTree>
+      <p:nvGrpSpPr>
+        <p:cNvPr id="1" name=""/>
+        <p:cNvGrpSpPr/>
+        <p:nvPr/>
+      </p:nvGrpSpPr>
+      <p:grpSpPr>
+        <a:xfrm>
+          <a:off x="0" y="0"/>
+          <a:ext cx="0" cy="0"/>
+          <a:chOff x="0" y="0"/>
+          <a:chExt cx="0" cy="0"/>
+        </a:xfrm>
+      </p:grpSpPr>
+      <p:sp>
+        <p:nvSpPr>
+          <p:cNvPr id="2" name="Espace réservé à l'image de la diapositive 1"/>
+          <p:cNvSpPr>
+            <a:spLocks noGrp="1" noRot="1" noChangeAspect="1" noEditPoints="1"/>
+          </p:cNvSpPr>
+          <p:nvPr>
+            <p:ph type="sldImg"/>
+          </p:nvPr>
+        </p:nvSpPr>
+        <p:spPr>
+          <a:xfrm>
+            <a:off x="381000" y="685800"/>
+            <a:ext cx="6096000" cy="3429000"/>
+          </a:xfrm>
+          <a:prstGeom prst="rect">
+            <a:avLst/>
+          </a:prstGeom>
+        </p:spPr>
+        <p:txBody>
+          <a:bodyPr/>
+          <a:lstStyle/>
+          <a:p/>
+        </p:txBody>
+      </p:sp>
+      <p:sp>
+        <p:nvSpPr>
+          <p:cNvPr id="3" name="Espace réservé au texte 2"/>
+          <p:cNvSpPr>
+            <a:spLocks noGrp="1" noEditPoints="1"/>
+          </p:cNvSpPr>
+          <p:nvPr>
+            <p:ph type="body" idx="3"/>
+          </p:nvPr>
+        </p:nvSpPr>
+        <p:spPr>
+          <a:prstGeom prst="rect">
+            <a:avLst/>
+          </a:prstGeom>
+        </p:spPr>
+        <p:txBody>
+          <a:bodyPr/>
+          <a:lstStyle/>
+          <a:p>
+            <a:endParaRPr lang="en-US"/>
+          </a:p>
+        </p:txBody>
+      </p:sp>
+      <p:sp>
+        <p:nvSpPr>
+          <p:cNvPr id="4" name="Espace réservé au numéro de diapositive 3"/>
+          <p:cNvSpPr>
+            <a:spLocks noGrp="1" noEditPoints="1"/>
+          </p:cNvSpPr>
+          <p:nvPr>
+            <p:ph type="sldNum" sz="quarter" idx="5"/>
+          </p:nvPr>
+        </p:nvSpPr>
+        <p:spPr>
+          <a:prstGeom prst="rect">
+            <a:avLst/>
+          </a:prstGeom>
+        </p:spPr>
+        <p:txBody>
+          <a:bodyPr/>
+          <a:lstStyle/>
+          <a:p>
+            <a:fld id="{66F9A9F5-6BD8-4CA3-8531-6F4D8F80E81A}" type="slidenum">
+              <a:rPr lang="en-US" smtClean="0"/>
+              <a:t>‹#›</a:t>
+            </a:fld>
+            <a:endParaRPr lang="en-US"/>
+          </a:p>
+        </p:txBody>
+      </p:sp>
+    </p:spTree>
+  </p:cSld>
+  <p:clrMapOvr>
+    <a:masterClrMapping/>
+  </p:clrMapOvr>
+</p:notes>
+</file>
+
 <file path=ppt/notesSlides/notesSlide2.xml><?xml version="1.0" encoding="utf-8"?>
 <p:notes xmlns:a="http://schemas.openxmlformats.org/drawingml/2006/main" xmlns:r="http://schemas.openxmlformats.org/officeDocument/2006/relationships" xmlns:p="http://schemas.openxmlformats.org/presentationml/2006/main">
   <p:cSld>
@@ -952,7 +1357,7 @@
           <a:bodyPr/>
           <a:lstStyle/>
           <a:p>
-            <a:fld id="{D8E29142-B52D-4D1D-886B-ECA4405FD0E6}" type="slidenum">
+            <a:fld id="{E910B4BB-9BA1-466D-97E0-C5D04F2B3700}" type="slidenum">
               <a:rPr lang="en-US" smtClean="0"/>
               <a:t>‹#›</a:t>
             </a:fld>
@@ -1052,7 +1457,7 @@
           <a:bodyPr/>
           <a:lstStyle/>
           <a:p>
-            <a:fld id="{67A09FE5-D1C6-4C50-A060-3C3171190010}" type="slidenum">
+            <a:fld id="{CF72A818-EFC2-4AEB-B066-6DC29B80D454}" type="slidenum">
               <a:rPr lang="en-US" smtClean="0"/>
               <a:t>‹#›</a:t>
             </a:fld>
@@ -1152,7 +1557,7 @@
           <a:bodyPr/>
           <a:lstStyle/>
           <a:p>
-            <a:fld id="{E41A667E-956E-44C2-B5C3-1B399654FF8C}" type="slidenum">
+            <a:fld id="{170FC9E6-E6C0-41FA-941F-852D6A01DFE2}" type="slidenum">
               <a:rPr lang="en-US" smtClean="0"/>
               <a:t>‹#›</a:t>
             </a:fld>
@@ -1252,7 +1657,107 @@
           <a:bodyPr/>
           <a:lstStyle/>
           <a:p>
-            <a:fld id="{66F9A9F5-6BD8-4CA3-8531-6F4D8F80E81A}" type="slidenum">
+            <a:fld id="{788725F6-91A6-4C24-9FF4-842CEEB61EE6}" type="slidenum">
+              <a:rPr lang="en-US" smtClean="0"/>
+              <a:t>‹#›</a:t>
+            </a:fld>
+            <a:endParaRPr lang="en-US"/>
+          </a:p>
+        </p:txBody>
+      </p:sp>
+    </p:spTree>
+  </p:cSld>
+  <p:clrMapOvr>
+    <a:masterClrMapping/>
+  </p:clrMapOvr>
+</p:notes>
+</file>
+
+<file path=ppt/notesSlides/notesSlide9.xml><?xml version="1.0" encoding="utf-8"?>
+<p:notes xmlns:a="http://schemas.openxmlformats.org/drawingml/2006/main" xmlns:r="http://schemas.openxmlformats.org/officeDocument/2006/relationships" xmlns:p="http://schemas.openxmlformats.org/presentationml/2006/main">
+  <p:cSld>
+    <p:spTree>
+      <p:nvGrpSpPr>
+        <p:cNvPr id="1" name=""/>
+        <p:cNvGrpSpPr/>
+        <p:nvPr/>
+      </p:nvGrpSpPr>
+      <p:grpSpPr>
+        <a:xfrm>
+          <a:off x="0" y="0"/>
+          <a:ext cx="0" cy="0"/>
+          <a:chOff x="0" y="0"/>
+          <a:chExt cx="0" cy="0"/>
+        </a:xfrm>
+      </p:grpSpPr>
+      <p:sp>
+        <p:nvSpPr>
+          <p:cNvPr id="2" name="Espace réservé à l'image de la diapositive 1"/>
+          <p:cNvSpPr>
+            <a:spLocks noGrp="1" noRot="1" noChangeAspect="1" noEditPoints="1"/>
+          </p:cNvSpPr>
+          <p:nvPr>
+            <p:ph type="sldImg"/>
+          </p:nvPr>
+        </p:nvSpPr>
+        <p:spPr>
+          <a:xfrm>
+            <a:off x="381000" y="685800"/>
+            <a:ext cx="6096000" cy="3429000"/>
+          </a:xfrm>
+          <a:prstGeom prst="rect">
+            <a:avLst/>
+          </a:prstGeom>
+        </p:spPr>
+        <p:txBody>
+          <a:bodyPr/>
+          <a:lstStyle/>
+          <a:p/>
+        </p:txBody>
+      </p:sp>
+      <p:sp>
+        <p:nvSpPr>
+          <p:cNvPr id="3" name="Espace réservé au texte 2"/>
+          <p:cNvSpPr>
+            <a:spLocks noGrp="1" noEditPoints="1"/>
+          </p:cNvSpPr>
+          <p:nvPr>
+            <p:ph type="body" idx="3"/>
+          </p:nvPr>
+        </p:nvSpPr>
+        <p:spPr>
+          <a:prstGeom prst="rect">
+            <a:avLst/>
+          </a:prstGeom>
+        </p:spPr>
+        <p:txBody>
+          <a:bodyPr/>
+          <a:lstStyle/>
+          <a:p>
+            <a:endParaRPr lang="en-US"/>
+          </a:p>
+        </p:txBody>
+      </p:sp>
+      <p:sp>
+        <p:nvSpPr>
+          <p:cNvPr id="4" name="Espace réservé au numéro de diapositive 3"/>
+          <p:cNvSpPr>
+            <a:spLocks noGrp="1" noEditPoints="1"/>
+          </p:cNvSpPr>
+          <p:nvPr>
+            <p:ph type="sldNum" sz="quarter" idx="5"/>
+          </p:nvPr>
+        </p:nvSpPr>
+        <p:spPr>
+          <a:prstGeom prst="rect">
+            <a:avLst/>
+          </a:prstGeom>
+        </p:spPr>
+        <p:txBody>
+          <a:bodyPr/>
+          <a:lstStyle/>
+          <a:p>
+            <a:fld id="{3BF74912-ACA3-4CA3-BADC-7717C9AF1D59}" type="slidenum">
               <a:rPr lang="en-US" smtClean="0"/>
               <a:t>‹#›</a:t>
             </a:fld>
@@ -1398,7 +1903,7 @@
           <a:p>
             <a:fld id="{71FD7FF2-845F-41B9-944F-35B90659B7D6}" type="datetimeFigureOut">
               <a:rPr lang="en-US" smtClean="0"/>
-              <a:t>2/7/2023</a:t>
+              <a:t>2/9/2023</a:t>
             </a:fld>
             <a:endParaRPr lang="en-US"/>
           </a:p>
@@ -1562,7 +2067,7 @@
           <a:p>
             <a:fld id="{71FD7FF2-845F-41B9-944F-35B90659B7D6}" type="datetimeFigureOut">
               <a:rPr lang="en-US" smtClean="0"/>
-              <a:t>2/7/2023</a:t>
+              <a:t>2/9/2023</a:t>
             </a:fld>
             <a:endParaRPr lang="en-US"/>
           </a:p>
@@ -1736,7 +2241,7 @@
           <a:p>
             <a:fld id="{71FD7FF2-845F-41B9-944F-35B90659B7D6}" type="datetimeFigureOut">
               <a:rPr lang="en-US" smtClean="0"/>
-              <a:t>2/7/2023</a:t>
+              <a:t>2/9/2023</a:t>
             </a:fld>
             <a:endParaRPr lang="en-US"/>
           </a:p>
@@ -1900,7 +2405,7 @@
           <a:p>
             <a:fld id="{71FD7FF2-845F-41B9-944F-35B90659B7D6}" type="datetimeFigureOut">
               <a:rPr lang="en-US" smtClean="0"/>
-              <a:t>2/7/2023</a:t>
+              <a:t>2/9/2023</a:t>
             </a:fld>
             <a:endParaRPr lang="en-US"/>
           </a:p>
@@ -2141,7 +2646,7 @@
           <a:p>
             <a:fld id="{71FD7FF2-845F-41B9-944F-35B90659B7D6}" type="datetimeFigureOut">
               <a:rPr lang="en-US" smtClean="0"/>
-              <a:t>2/7/2023</a:t>
+              <a:t>2/9/2023</a:t>
             </a:fld>
             <a:endParaRPr lang="en-US"/>
           </a:p>
@@ -2366,7 +2871,7 @@
           <a:p>
             <a:fld id="{71FD7FF2-845F-41B9-944F-35B90659B7D6}" type="datetimeFigureOut">
               <a:rPr lang="en-US" smtClean="0"/>
-              <a:t>2/7/2023</a:t>
+              <a:t>2/9/2023</a:t>
             </a:fld>
             <a:endParaRPr lang="en-US"/>
           </a:p>
@@ -2726,7 +3231,7 @@
           <a:p>
             <a:fld id="{71FD7FF2-845F-41B9-944F-35B90659B7D6}" type="datetimeFigureOut">
               <a:rPr lang="en-US" smtClean="0"/>
-              <a:t>2/7/2023</a:t>
+              <a:t>2/9/2023</a:t>
             </a:fld>
             <a:endParaRPr lang="en-US"/>
           </a:p>
@@ -2839,7 +3344,7 @@
           <a:p>
             <a:fld id="{71FD7FF2-845F-41B9-944F-35B90659B7D6}" type="datetimeFigureOut">
               <a:rPr lang="en-US" smtClean="0"/>
-              <a:t>2/7/2023</a:t>
+              <a:t>2/9/2023</a:t>
             </a:fld>
             <a:endParaRPr lang="en-US"/>
           </a:p>
@@ -2930,7 +3435,7 @@
           <a:p>
             <a:fld id="{71FD7FF2-845F-41B9-944F-35B90659B7D6}" type="datetimeFigureOut">
               <a:rPr lang="en-US" smtClean="0"/>
-              <a:t>2/7/2023</a:t>
+              <a:t>2/9/2023</a:t>
             </a:fld>
             <a:endParaRPr lang="en-US"/>
           </a:p>
@@ -3201,7 +3706,7 @@
           <a:p>
             <a:fld id="{71FD7FF2-845F-41B9-944F-35B90659B7D6}" type="datetimeFigureOut">
               <a:rPr lang="en-US" smtClean="0"/>
-              <a:t>2/7/2023</a:t>
+              <a:t>2/9/2023</a:t>
             </a:fld>
             <a:endParaRPr lang="en-US"/>
           </a:p>
@@ -3453,7 +3958,7 @@
           <a:p>
             <a:fld id="{71FD7FF2-845F-41B9-944F-35B90659B7D6}" type="datetimeFigureOut">
               <a:rPr lang="en-US" smtClean="0"/>
-              <a:t>2/7/2023</a:t>
+              <a:t>2/9/2023</a:t>
             </a:fld>
             <a:endParaRPr lang="en-US"/>
           </a:p>
@@ -3660,7 +4165,7 @@
           <a:p>
             <a:fld id="{71FD7FF2-845F-41B9-944F-35B90659B7D6}" type="datetimeFigureOut">
               <a:rPr lang="en-US" smtClean="0"/>
-              <a:t>2/7/2023</a:t>
+              <a:t>2/9/2023</a:t>
             </a:fld>
             <a:endParaRPr lang="en-US"/>
           </a:p>
@@ -4094,6 +4599,206 @@
 </p:sld>
 </file>
 
+<file path=ppt/slides/slide10.xml><?xml version="1.0" encoding="utf-8"?>
+<p:sld xmlns:a="http://schemas.openxmlformats.org/drawingml/2006/main" xmlns:r="http://schemas.openxmlformats.org/officeDocument/2006/relationships" xmlns:p="http://schemas.openxmlformats.org/presentationml/2006/main">
+  <p:cSld>
+    <p:spTree>
+      <p:nvGrpSpPr>
+        <p:cNvPr id="1" name=""/>
+        <p:cNvGrpSpPr/>
+        <p:nvPr/>
+      </p:nvGrpSpPr>
+      <p:grpSpPr>
+        <a:xfrm>
+          <a:off x="0" y="0"/>
+          <a:ext cx="0" cy="0"/>
+          <a:chOff x="0" y="0"/>
+          <a:chExt cx="0" cy="0"/>
+        </a:xfrm>
+      </p:grpSpPr>
+      <p:pic>
+        <p:nvPicPr>
+          <p:cNvPr id="4" name="Image 3"/>
+          <p:cNvPicPr>
+            <a:picLocks noChangeAspect="1"/>
+          </p:cNvPicPr>
+          <p:nvPr/>
+        </p:nvPicPr>
+        <p:blipFill>
+          <a:blip r:embed="rId1"/>
+          <a:srcRect/>
+          <a:stretch>
+            <a:fillRect/>
+          </a:stretch>
+        </p:blipFill>
+        <p:spPr>
+          <a:xfrm>
+            <a:off x="-317867" y="0"/>
+            <a:ext cx="12912399" cy="6946768"/>
+          </a:xfrm>
+          <a:prstGeom prst="rect">
+            <a:avLst/>
+          </a:prstGeom>
+        </p:spPr>
+      </p:pic>
+    </p:spTree>
+  </p:cSld>
+  <p:clrMapOvr>
+    <a:masterClrMapping/>
+  </p:clrMapOvr>
+</p:sld>
+</file>
+
+<file path=ppt/slides/slide11.xml><?xml version="1.0" encoding="utf-8"?>
+<p:sld xmlns:a="http://schemas.openxmlformats.org/drawingml/2006/main" xmlns:r="http://schemas.openxmlformats.org/officeDocument/2006/relationships" xmlns:p="http://schemas.openxmlformats.org/presentationml/2006/main">
+  <p:cSld>
+    <p:spTree>
+      <p:nvGrpSpPr>
+        <p:cNvPr id="1" name=""/>
+        <p:cNvGrpSpPr/>
+        <p:nvPr/>
+      </p:nvGrpSpPr>
+      <p:grpSpPr>
+        <a:xfrm>
+          <a:off x="0" y="0"/>
+          <a:ext cx="0" cy="0"/>
+          <a:chOff x="0" y="0"/>
+          <a:chExt cx="0" cy="0"/>
+        </a:xfrm>
+      </p:grpSpPr>
+      <p:pic>
+        <p:nvPicPr>
+          <p:cNvPr id="4" name="Image 3"/>
+          <p:cNvPicPr>
+            <a:picLocks noChangeAspect="1"/>
+          </p:cNvPicPr>
+          <p:nvPr/>
+        </p:nvPicPr>
+        <p:blipFill>
+          <a:blip r:embed="rId1"/>
+          <a:srcRect/>
+          <a:stretch>
+            <a:fillRect/>
+          </a:stretch>
+        </p:blipFill>
+        <p:spPr>
+          <a:xfrm>
+            <a:off x="-158599" y="0"/>
+            <a:ext cx="12451140" cy="6858000"/>
+          </a:xfrm>
+          <a:prstGeom prst="rect">
+            <a:avLst/>
+          </a:prstGeom>
+        </p:spPr>
+      </p:pic>
+    </p:spTree>
+  </p:cSld>
+  <p:clrMapOvr>
+    <a:masterClrMapping/>
+  </p:clrMapOvr>
+</p:sld>
+</file>
+
+<file path=ppt/slides/slide12.xml><?xml version="1.0" encoding="utf-8"?>
+<p:sld xmlns:a="http://schemas.openxmlformats.org/drawingml/2006/main" xmlns:r="http://schemas.openxmlformats.org/officeDocument/2006/relationships" xmlns:p="http://schemas.openxmlformats.org/presentationml/2006/main">
+  <p:cSld>
+    <p:spTree>
+      <p:nvGrpSpPr>
+        <p:cNvPr id="1" name=""/>
+        <p:cNvGrpSpPr/>
+        <p:nvPr/>
+      </p:nvGrpSpPr>
+      <p:grpSpPr>
+        <a:xfrm>
+          <a:off x="0" y="0"/>
+          <a:ext cx="0" cy="0"/>
+          <a:chOff x="0" y="0"/>
+          <a:chExt cx="0" cy="0"/>
+        </a:xfrm>
+      </p:grpSpPr>
+      <p:pic>
+        <p:nvPicPr>
+          <p:cNvPr id="4" name="Image 3"/>
+          <p:cNvPicPr>
+            <a:picLocks noChangeAspect="1"/>
+          </p:cNvPicPr>
+          <p:nvPr/>
+        </p:nvPicPr>
+        <p:blipFill>
+          <a:blip r:embed="rId1"/>
+          <a:srcRect/>
+          <a:stretch>
+            <a:fillRect/>
+          </a:stretch>
+        </p:blipFill>
+        <p:spPr>
+          <a:xfrm>
+            <a:off x="-157163" y="71436"/>
+            <a:ext cx="12470453" cy="6786564"/>
+          </a:xfrm>
+          <a:prstGeom prst="rect">
+            <a:avLst/>
+          </a:prstGeom>
+        </p:spPr>
+      </p:pic>
+    </p:spTree>
+  </p:cSld>
+  <p:clrMapOvr>
+    <a:masterClrMapping/>
+  </p:clrMapOvr>
+</p:sld>
+</file>
+
+<file path=ppt/slides/slide13.xml><?xml version="1.0" encoding="utf-8"?>
+<p:sld xmlns:a="http://schemas.openxmlformats.org/drawingml/2006/main" xmlns:r="http://schemas.openxmlformats.org/officeDocument/2006/relationships" xmlns:p="http://schemas.openxmlformats.org/presentationml/2006/main">
+  <p:cSld>
+    <p:spTree>
+      <p:nvGrpSpPr>
+        <p:cNvPr id="1" name=""/>
+        <p:cNvGrpSpPr/>
+        <p:nvPr/>
+      </p:nvGrpSpPr>
+      <p:grpSpPr>
+        <a:xfrm>
+          <a:off x="0" y="0"/>
+          <a:ext cx="0" cy="0"/>
+          <a:chOff x="0" y="0"/>
+          <a:chExt cx="0" cy="0"/>
+        </a:xfrm>
+      </p:grpSpPr>
+      <p:pic>
+        <p:nvPicPr>
+          <p:cNvPr id="4" name="Image 3"/>
+          <p:cNvPicPr>
+            <a:picLocks noChangeAspect="1"/>
+          </p:cNvPicPr>
+          <p:nvPr/>
+        </p:nvPicPr>
+        <p:blipFill>
+          <a:blip r:embed="rId1"/>
+          <a:srcRect/>
+          <a:stretch>
+            <a:fillRect/>
+          </a:stretch>
+        </p:blipFill>
+        <p:spPr>
+          <a:xfrm>
+            <a:off x="0" y="0"/>
+            <a:ext cx="12271375" cy="6858000"/>
+          </a:xfrm>
+          <a:prstGeom prst="rect">
+            <a:avLst/>
+          </a:prstGeom>
+        </p:spPr>
+      </p:pic>
+    </p:spTree>
+  </p:cSld>
+  <p:clrMapOvr>
+    <a:masterClrMapping/>
+  </p:clrMapOvr>
+</p:sld>
+</file>
+
 <file path=ppt/slides/slide2.xml><?xml version="1.0" encoding="utf-8"?>
 <p:sld xmlns:a="http://schemas.openxmlformats.org/drawingml/2006/main" xmlns:r="http://schemas.openxmlformats.org/officeDocument/2006/relationships" xmlns:p="http://schemas.openxmlformats.org/presentationml/2006/main">
   <p:cSld>
@@ -4192,7 +4897,103 @@
                   </a:schemeClr>
                 </a:solidFill>
               </a:rPr>
-              <a:t>Introduction</a:t>
+              <a:t>What</a:t>
+            </a:r>
+            <a:r>
+              <a:rPr lang="" sz="5400" b="1">
+                <a:solidFill>
+                  <a:schemeClr val="accent6">
+                    <a:lumMod val="50000"/>
+                  </a:schemeClr>
+                </a:solidFill>
+              </a:rPr>
+              <a:t> </a:t>
+            </a:r>
+            <a:r>
+              <a:rPr lang="fr-FR" sz="5400" b="1">
+                <a:solidFill>
+                  <a:schemeClr val="accent6">
+                    <a:lumMod val="50000"/>
+                  </a:schemeClr>
+                </a:solidFill>
+              </a:rPr>
+              <a:t>is</a:t>
+            </a:r>
+            <a:r>
+              <a:rPr lang="" sz="5400" b="1">
+                <a:solidFill>
+                  <a:schemeClr val="accent6">
+                    <a:lumMod val="50000"/>
+                  </a:schemeClr>
+                </a:solidFill>
+              </a:rPr>
+              <a:t> </a:t>
+            </a:r>
+            <a:r>
+              <a:rPr lang="fr-FR" sz="5400" b="1">
+                <a:solidFill>
+                  <a:schemeClr val="accent6">
+                    <a:lumMod val="50000"/>
+                  </a:schemeClr>
+                </a:solidFill>
+              </a:rPr>
+              <a:t>advertising?</a:t>
+            </a:r>
+          </a:p>
+          <a:p>
+            <a:pPr marL="514350" indent="-514350">
+              <a:buFont typeface="+mj-lt"/>
+              <a:buAutoNum type="arabicPeriod"/>
+            </a:pPr>
+            <a:r>
+              <a:rPr lang="fr-FR" sz="5400" b="1">
+                <a:solidFill>
+                  <a:schemeClr val="accent6">
+                    <a:lumMod val="50000"/>
+                  </a:schemeClr>
+                </a:solidFill>
+              </a:rPr>
+              <a:t>Types</a:t>
+            </a:r>
+            <a:r>
+              <a:rPr lang="" sz="5400" b="1">
+                <a:solidFill>
+                  <a:schemeClr val="accent6">
+                    <a:lumMod val="50000"/>
+                  </a:schemeClr>
+                </a:solidFill>
+              </a:rPr>
+              <a:t> </a:t>
+            </a:r>
+            <a:r>
+              <a:rPr lang="fr-FR" sz="5400" b="1">
+                <a:solidFill>
+                  <a:schemeClr val="accent6">
+                    <a:lumMod val="50000"/>
+                  </a:schemeClr>
+                </a:solidFill>
+              </a:rPr>
+              <a:t>of</a:t>
+            </a:r>
+            <a:r>
+              <a:rPr lang="" sz="5400" b="1">
+                <a:solidFill>
+                  <a:schemeClr val="accent6">
+                    <a:lumMod val="50000"/>
+                  </a:schemeClr>
+                </a:solidFill>
+              </a:rPr>
+              <a:t> </a:t>
+            </a:r>
+            <a:r>
+              <a:rPr lang="fr-FR" sz="5400" b="1">
+                <a:solidFill>
+                  <a:schemeClr val="accent6">
+                    <a:lumMod val="50000"/>
+                  </a:schemeClr>
+                </a:solidFill>
+              </a:rPr>
+              <a:t>advertisement</a:t>
             </a:r>
           </a:p>
           <a:p>
@@ -4211,7 +5012,7 @@
               <a:t>Advantages</a:t>
             </a:r>
             <a:r>
-              <a:rPr lang="" sz="5400" b="1">
+              <a:rPr sz="5400" b="1">
                 <a:solidFill>
                   <a:schemeClr val="accent6">
                     <a:lumMod val="50000"/>
@@ -4231,7 +5032,7 @@
               <a:t>of</a:t>
             </a:r>
             <a:r>
-              <a:rPr lang="" sz="5400" b="1">
+              <a:rPr sz="5400" b="1">
                 <a:solidFill>
                   <a:schemeClr val="accent6">
                     <a:lumMod val="50000"/>
@@ -4371,7 +5172,7 @@
         </p:nvPicPr>
         <p:blipFill>
           <a:blip r:embed="rId1"/>
-          <a:srcRect l="0" t="0" r="0" b="19400"/>
+          <a:srcRect b="19400"/>
           <a:stretch/>
         </p:blipFill>
         <p:spPr>
@@ -4426,8 +5227,8 @@
         </p:blipFill>
         <p:spPr>
           <a:xfrm>
-            <a:off x="-317867" y="0"/>
-            <a:ext cx="12912399" cy="6946768"/>
+            <a:off x="210195" y="135467"/>
+            <a:ext cx="11981805" cy="6641998"/>
           </a:xfrm>
           <a:prstGeom prst="rect">
             <a:avLst/>
@@ -4476,8 +5277,8 @@
         </p:blipFill>
         <p:spPr>
           <a:xfrm>
-            <a:off x="-158599" y="0"/>
-            <a:ext cx="12451140" cy="6858000"/>
+            <a:off x="-87727" y="0"/>
+            <a:ext cx="12502921" cy="6858000"/>
           </a:xfrm>
           <a:prstGeom prst="rect">
             <a:avLst/>
@@ -4526,8 +5327,8 @@
         </p:blipFill>
         <p:spPr>
           <a:xfrm>
-            <a:off x="-157163" y="71436"/>
-            <a:ext cx="12470453" cy="6786564"/>
+            <a:off x="-204688" y="0"/>
+            <a:ext cx="12866588" cy="6858000"/>
           </a:xfrm>
           <a:prstGeom prst="rect">
             <a:avLst/>
@@ -4577,7 +5378,57 @@
         <p:spPr>
           <a:xfrm>
             <a:off x="0" y="0"/>
-            <a:ext cx="12271375" cy="6858000"/>
+            <a:ext cx="12192000" cy="6858000"/>
+          </a:xfrm>
+          <a:prstGeom prst="rect">
+            <a:avLst/>
+          </a:prstGeom>
+        </p:spPr>
+      </p:pic>
+    </p:spTree>
+  </p:cSld>
+  <p:clrMapOvr>
+    <a:masterClrMapping/>
+  </p:clrMapOvr>
+</p:sld>
+</file>
+
+<file path=ppt/slides/slide9.xml><?xml version="1.0" encoding="utf-8"?>
+<p:sld xmlns:a="http://schemas.openxmlformats.org/drawingml/2006/main" xmlns:r="http://schemas.openxmlformats.org/officeDocument/2006/relationships" xmlns:p="http://schemas.openxmlformats.org/presentationml/2006/main">
+  <p:cSld>
+    <p:spTree>
+      <p:nvGrpSpPr>
+        <p:cNvPr id="1" name=""/>
+        <p:cNvGrpSpPr/>
+        <p:nvPr/>
+      </p:nvGrpSpPr>
+      <p:grpSpPr>
+        <a:xfrm>
+          <a:off x="0" y="0"/>
+          <a:ext cx="0" cy="0"/>
+          <a:chOff x="0" y="0"/>
+          <a:chExt cx="0" cy="0"/>
+        </a:xfrm>
+      </p:grpSpPr>
+      <p:pic>
+        <p:nvPicPr>
+          <p:cNvPr id="4" name="Image 3"/>
+          <p:cNvPicPr>
+            <a:picLocks noChangeAspect="1"/>
+          </p:cNvPicPr>
+          <p:nvPr/>
+        </p:nvPicPr>
+        <p:blipFill>
+          <a:blip r:embed="rId1"/>
+          <a:srcRect/>
+          <a:stretch>
+            <a:fillRect/>
+          </a:stretch>
+        </p:blipFill>
+        <p:spPr>
+          <a:xfrm>
+            <a:off x="0" y="0"/>
+            <a:ext cx="12391946" cy="6858000"/>
           </a:xfrm>
           <a:prstGeom prst="rect">
             <a:avLst/>

--- a/advertisement.pptx
+++ b/advertisement.pptx
@@ -11,16 +11,14 @@
     <p:sldId id="256" r:id="rId3"/>
     <p:sldId id="263" r:id="rId4"/>
     <p:sldId id="264" r:id="rId5"/>
-    <p:sldId id="261" r:id="rId6"/>
-    <p:sldId id="265" r:id="rId7"/>
-    <p:sldId id="266" r:id="rId8"/>
-    <p:sldId id="267" r:id="rId9"/>
-    <p:sldId id="268" r:id="rId10"/>
-    <p:sldId id="269" r:id="rId11"/>
-    <p:sldId id="258" r:id="rId12"/>
-    <p:sldId id="259" r:id="rId13"/>
-    <p:sldId id="260" r:id="rId14"/>
-    <p:sldId id="262" r:id="rId15"/>
+    <p:sldId id="270" r:id="rId6"/>
+    <p:sldId id="267" r:id="rId7"/>
+    <p:sldId id="268" r:id="rId8"/>
+    <p:sldId id="269" r:id="rId9"/>
+    <p:sldId id="258" r:id="rId10"/>
+    <p:sldId id="259" r:id="rId11"/>
+    <p:sldId id="260" r:id="rId12"/>
+    <p:sldId id="262" r:id="rId13"/>
   </p:sldIdLst>
   <p:sldSz cx="12192000" cy="6858000"/>
   <p:notesSz cx="6858000" cy="9144000"/>
@@ -209,7 +207,7 @@
           <a:p>
             <a:fld id="{CF1DFB02-877E-4F11-BB02-3C317D902EA3}" type="datetimeFigureOut">
               <a:rPr lang="en-US" smtClean="0"/>
-              <a:t>2/9/2023</a:t>
+              <a:t>2/10/2023</a:t>
             </a:fld>
             <a:endParaRPr lang="en-US"/>
           </a:p>
@@ -657,7 +655,7 @@
           <a:bodyPr/>
           <a:lstStyle/>
           <a:p>
-            <a:fld id="{D8E29142-B52D-4D1D-886B-ECA4405FD0E6}" type="slidenum">
+            <a:fld id="{E41A667E-956E-44C2-B5C3-1B399654FF8C}" type="slidenum">
               <a:rPr lang="en-US" smtClean="0"/>
               <a:t>‹#›</a:t>
             </a:fld>
@@ -757,206 +755,6 @@
           <a:bodyPr/>
           <a:lstStyle/>
           <a:p>
-            <a:fld id="{67A09FE5-D1C6-4C50-A060-3C3171190010}" type="slidenum">
-              <a:rPr lang="en-US" smtClean="0"/>
-              <a:t>‹#›</a:t>
-            </a:fld>
-            <a:endParaRPr lang="en-US"/>
-          </a:p>
-        </p:txBody>
-      </p:sp>
-    </p:spTree>
-  </p:cSld>
-  <p:clrMapOvr>
-    <a:masterClrMapping/>
-  </p:clrMapOvr>
-</p:notes>
-</file>
-
-<file path=ppt/notesSlides/notesSlide12.xml><?xml version="1.0" encoding="utf-8"?>
-<p:notes xmlns:a="http://schemas.openxmlformats.org/drawingml/2006/main" xmlns:r="http://schemas.openxmlformats.org/officeDocument/2006/relationships" xmlns:p="http://schemas.openxmlformats.org/presentationml/2006/main">
-  <p:cSld>
-    <p:spTree>
-      <p:nvGrpSpPr>
-        <p:cNvPr id="1" name=""/>
-        <p:cNvGrpSpPr/>
-        <p:nvPr/>
-      </p:nvGrpSpPr>
-      <p:grpSpPr>
-        <a:xfrm>
-          <a:off x="0" y="0"/>
-          <a:ext cx="0" cy="0"/>
-          <a:chOff x="0" y="0"/>
-          <a:chExt cx="0" cy="0"/>
-        </a:xfrm>
-      </p:grpSpPr>
-      <p:sp>
-        <p:nvSpPr>
-          <p:cNvPr id="2" name="Espace réservé à l'image de la diapositive 1"/>
-          <p:cNvSpPr>
-            <a:spLocks noGrp="1" noRot="1" noChangeAspect="1" noEditPoints="1"/>
-          </p:cNvSpPr>
-          <p:nvPr>
-            <p:ph type="sldImg"/>
-          </p:nvPr>
-        </p:nvSpPr>
-        <p:spPr>
-          <a:xfrm>
-            <a:off x="381000" y="685800"/>
-            <a:ext cx="6096000" cy="3429000"/>
-          </a:xfrm>
-          <a:prstGeom prst="rect">
-            <a:avLst/>
-          </a:prstGeom>
-        </p:spPr>
-        <p:txBody>
-          <a:bodyPr/>
-          <a:lstStyle/>
-          <a:p/>
-        </p:txBody>
-      </p:sp>
-      <p:sp>
-        <p:nvSpPr>
-          <p:cNvPr id="3" name="Espace réservé au texte 2"/>
-          <p:cNvSpPr>
-            <a:spLocks noGrp="1" noEditPoints="1"/>
-          </p:cNvSpPr>
-          <p:nvPr>
-            <p:ph type="body" idx="3"/>
-          </p:nvPr>
-        </p:nvSpPr>
-        <p:spPr>
-          <a:prstGeom prst="rect">
-            <a:avLst/>
-          </a:prstGeom>
-        </p:spPr>
-        <p:txBody>
-          <a:bodyPr/>
-          <a:lstStyle/>
-          <a:p>
-            <a:endParaRPr lang="en-US"/>
-          </a:p>
-        </p:txBody>
-      </p:sp>
-      <p:sp>
-        <p:nvSpPr>
-          <p:cNvPr id="4" name="Espace réservé au numéro de diapositive 3"/>
-          <p:cNvSpPr>
-            <a:spLocks noGrp="1" noEditPoints="1"/>
-          </p:cNvSpPr>
-          <p:nvPr>
-            <p:ph type="sldNum" sz="quarter" idx="5"/>
-          </p:nvPr>
-        </p:nvSpPr>
-        <p:spPr>
-          <a:prstGeom prst="rect">
-            <a:avLst/>
-          </a:prstGeom>
-        </p:spPr>
-        <p:txBody>
-          <a:bodyPr/>
-          <a:lstStyle/>
-          <a:p>
-            <a:fld id="{E41A667E-956E-44C2-B5C3-1B399654FF8C}" type="slidenum">
-              <a:rPr lang="en-US" smtClean="0"/>
-              <a:t>‹#›</a:t>
-            </a:fld>
-            <a:endParaRPr lang="en-US"/>
-          </a:p>
-        </p:txBody>
-      </p:sp>
-    </p:spTree>
-  </p:cSld>
-  <p:clrMapOvr>
-    <a:masterClrMapping/>
-  </p:clrMapOvr>
-</p:notes>
-</file>
-
-<file path=ppt/notesSlides/notesSlide13.xml><?xml version="1.0" encoding="utf-8"?>
-<p:notes xmlns:a="http://schemas.openxmlformats.org/drawingml/2006/main" xmlns:r="http://schemas.openxmlformats.org/officeDocument/2006/relationships" xmlns:p="http://schemas.openxmlformats.org/presentationml/2006/main">
-  <p:cSld>
-    <p:spTree>
-      <p:nvGrpSpPr>
-        <p:cNvPr id="1" name=""/>
-        <p:cNvGrpSpPr/>
-        <p:nvPr/>
-      </p:nvGrpSpPr>
-      <p:grpSpPr>
-        <a:xfrm>
-          <a:off x="0" y="0"/>
-          <a:ext cx="0" cy="0"/>
-          <a:chOff x="0" y="0"/>
-          <a:chExt cx="0" cy="0"/>
-        </a:xfrm>
-      </p:grpSpPr>
-      <p:sp>
-        <p:nvSpPr>
-          <p:cNvPr id="2" name="Espace réservé à l'image de la diapositive 1"/>
-          <p:cNvSpPr>
-            <a:spLocks noGrp="1" noRot="1" noChangeAspect="1" noEditPoints="1"/>
-          </p:cNvSpPr>
-          <p:nvPr>
-            <p:ph type="sldImg"/>
-          </p:nvPr>
-        </p:nvSpPr>
-        <p:spPr>
-          <a:xfrm>
-            <a:off x="381000" y="685800"/>
-            <a:ext cx="6096000" cy="3429000"/>
-          </a:xfrm>
-          <a:prstGeom prst="rect">
-            <a:avLst/>
-          </a:prstGeom>
-        </p:spPr>
-        <p:txBody>
-          <a:bodyPr/>
-          <a:lstStyle/>
-          <a:p/>
-        </p:txBody>
-      </p:sp>
-      <p:sp>
-        <p:nvSpPr>
-          <p:cNvPr id="3" name="Espace réservé au texte 2"/>
-          <p:cNvSpPr>
-            <a:spLocks noGrp="1" noEditPoints="1"/>
-          </p:cNvSpPr>
-          <p:nvPr>
-            <p:ph type="body" idx="3"/>
-          </p:nvPr>
-        </p:nvSpPr>
-        <p:spPr>
-          <a:prstGeom prst="rect">
-            <a:avLst/>
-          </a:prstGeom>
-        </p:spPr>
-        <p:txBody>
-          <a:bodyPr/>
-          <a:lstStyle/>
-          <a:p>
-            <a:endParaRPr lang="en-US"/>
-          </a:p>
-        </p:txBody>
-      </p:sp>
-      <p:sp>
-        <p:nvSpPr>
-          <p:cNvPr id="4" name="Espace réservé au numéro de diapositive 3"/>
-          <p:cNvSpPr>
-            <a:spLocks noGrp="1" noEditPoints="1"/>
-          </p:cNvSpPr>
-          <p:nvPr>
-            <p:ph type="sldNum" sz="quarter" idx="5"/>
-          </p:nvPr>
-        </p:nvSpPr>
-        <p:spPr>
-          <a:prstGeom prst="rect">
-            <a:avLst/>
-          </a:prstGeom>
-        </p:spPr>
-        <p:txBody>
-          <a:bodyPr/>
-          <a:lstStyle/>
-          <a:p>
             <a:fld id="{66F9A9F5-6BD8-4CA3-8531-6F4D8F80E81A}" type="slidenum">
               <a:rPr lang="en-US" smtClean="0"/>
               <a:t>‹#›</a:t>
@@ -1257,7 +1055,7 @@
           <a:bodyPr/>
           <a:lstStyle/>
           <a:p>
-            <a:fld id="{423E9F41-4D02-4B6D-BD2C-FCA3DDE38F30}" type="slidenum">
+            <a:fld id="{58339E43-0B25-4340-8216-08E04BC9B9FF}" type="slidenum">
               <a:rPr lang="en-US" smtClean="0"/>
               <a:t>‹#›</a:t>
             </a:fld>
@@ -1357,7 +1155,7 @@
           <a:bodyPr/>
           <a:lstStyle/>
           <a:p>
-            <a:fld id="{E910B4BB-9BA1-466D-97E0-C5D04F2B3700}" type="slidenum">
+            <a:fld id="{170FC9E6-E6C0-41FA-941F-852D6A01DFE2}" type="slidenum">
               <a:rPr lang="en-US" smtClean="0"/>
               <a:t>‹#›</a:t>
             </a:fld>
@@ -1457,7 +1255,7 @@
           <a:bodyPr/>
           <a:lstStyle/>
           <a:p>
-            <a:fld id="{CF72A818-EFC2-4AEB-B066-6DC29B80D454}" type="slidenum">
+            <a:fld id="{788725F6-91A6-4C24-9FF4-842CEEB61EE6}" type="slidenum">
               <a:rPr lang="en-US" smtClean="0"/>
               <a:t>‹#›</a:t>
             </a:fld>
@@ -1557,7 +1355,7 @@
           <a:bodyPr/>
           <a:lstStyle/>
           <a:p>
-            <a:fld id="{170FC9E6-E6C0-41FA-941F-852D6A01DFE2}" type="slidenum">
+            <a:fld id="{3BF74912-ACA3-4CA3-BADC-7717C9AF1D59}" type="slidenum">
               <a:rPr lang="en-US" smtClean="0"/>
               <a:t>‹#›</a:t>
             </a:fld>
@@ -1657,7 +1455,7 @@
           <a:bodyPr/>
           <a:lstStyle/>
           <a:p>
-            <a:fld id="{788725F6-91A6-4C24-9FF4-842CEEB61EE6}" type="slidenum">
+            <a:fld id="{D8E29142-B52D-4D1D-886B-ECA4405FD0E6}" type="slidenum">
               <a:rPr lang="en-US" smtClean="0"/>
               <a:t>‹#›</a:t>
             </a:fld>
@@ -1757,7 +1555,7 @@
           <a:bodyPr/>
           <a:lstStyle/>
           <a:p>
-            <a:fld id="{3BF74912-ACA3-4CA3-BADC-7717C9AF1D59}" type="slidenum">
+            <a:fld id="{67A09FE5-D1C6-4C50-A060-3C3171190010}" type="slidenum">
               <a:rPr lang="en-US" smtClean="0"/>
               <a:t>‹#›</a:t>
             </a:fld>
@@ -1903,7 +1701,7 @@
           <a:p>
             <a:fld id="{71FD7FF2-845F-41B9-944F-35B90659B7D6}" type="datetimeFigureOut">
               <a:rPr lang="en-US" smtClean="0"/>
-              <a:t>2/9/2023</a:t>
+              <a:t>2/10/2023</a:t>
             </a:fld>
             <a:endParaRPr lang="en-US"/>
           </a:p>
@@ -2067,7 +1865,7 @@
           <a:p>
             <a:fld id="{71FD7FF2-845F-41B9-944F-35B90659B7D6}" type="datetimeFigureOut">
               <a:rPr lang="en-US" smtClean="0"/>
-              <a:t>2/9/2023</a:t>
+              <a:t>2/10/2023</a:t>
             </a:fld>
             <a:endParaRPr lang="en-US"/>
           </a:p>
@@ -2241,7 +2039,7 @@
           <a:p>
             <a:fld id="{71FD7FF2-845F-41B9-944F-35B90659B7D6}" type="datetimeFigureOut">
               <a:rPr lang="en-US" smtClean="0"/>
-              <a:t>2/9/2023</a:t>
+              <a:t>2/10/2023</a:t>
             </a:fld>
             <a:endParaRPr lang="en-US"/>
           </a:p>
@@ -2405,7 +2203,7 @@
           <a:p>
             <a:fld id="{71FD7FF2-845F-41B9-944F-35B90659B7D6}" type="datetimeFigureOut">
               <a:rPr lang="en-US" smtClean="0"/>
-              <a:t>2/9/2023</a:t>
+              <a:t>2/10/2023</a:t>
             </a:fld>
             <a:endParaRPr lang="en-US"/>
           </a:p>
@@ -2646,7 +2444,7 @@
           <a:p>
             <a:fld id="{71FD7FF2-845F-41B9-944F-35B90659B7D6}" type="datetimeFigureOut">
               <a:rPr lang="en-US" smtClean="0"/>
-              <a:t>2/9/2023</a:t>
+              <a:t>2/10/2023</a:t>
             </a:fld>
             <a:endParaRPr lang="en-US"/>
           </a:p>
@@ -2871,7 +2669,7 @@
           <a:p>
             <a:fld id="{71FD7FF2-845F-41B9-944F-35B90659B7D6}" type="datetimeFigureOut">
               <a:rPr lang="en-US" smtClean="0"/>
-              <a:t>2/9/2023</a:t>
+              <a:t>2/10/2023</a:t>
             </a:fld>
             <a:endParaRPr lang="en-US"/>
           </a:p>
@@ -3231,7 +3029,7 @@
           <a:p>
             <a:fld id="{71FD7FF2-845F-41B9-944F-35B90659B7D6}" type="datetimeFigureOut">
               <a:rPr lang="en-US" smtClean="0"/>
-              <a:t>2/9/2023</a:t>
+              <a:t>2/10/2023</a:t>
             </a:fld>
             <a:endParaRPr lang="en-US"/>
           </a:p>
@@ -3344,7 +3142,7 @@
           <a:p>
             <a:fld id="{71FD7FF2-845F-41B9-944F-35B90659B7D6}" type="datetimeFigureOut">
               <a:rPr lang="en-US" smtClean="0"/>
-              <a:t>2/9/2023</a:t>
+              <a:t>2/10/2023</a:t>
             </a:fld>
             <a:endParaRPr lang="en-US"/>
           </a:p>
@@ -3435,7 +3233,7 @@
           <a:p>
             <a:fld id="{71FD7FF2-845F-41B9-944F-35B90659B7D6}" type="datetimeFigureOut">
               <a:rPr lang="en-US" smtClean="0"/>
-              <a:t>2/9/2023</a:t>
+              <a:t>2/10/2023</a:t>
             </a:fld>
             <a:endParaRPr lang="en-US"/>
           </a:p>
@@ -3706,7 +3504,7 @@
           <a:p>
             <a:fld id="{71FD7FF2-845F-41B9-944F-35B90659B7D6}" type="datetimeFigureOut">
               <a:rPr lang="en-US" smtClean="0"/>
-              <a:t>2/9/2023</a:t>
+              <a:t>2/10/2023</a:t>
             </a:fld>
             <a:endParaRPr lang="en-US"/>
           </a:p>
@@ -3958,7 +3756,7 @@
           <a:p>
             <a:fld id="{71FD7FF2-845F-41B9-944F-35B90659B7D6}" type="datetimeFigureOut">
               <a:rPr lang="en-US" smtClean="0"/>
-              <a:t>2/9/2023</a:t>
+              <a:t>2/10/2023</a:t>
             </a:fld>
             <a:endParaRPr lang="en-US"/>
           </a:p>
@@ -4165,7 +3963,7 @@
           <a:p>
             <a:fld id="{71FD7FF2-845F-41B9-944F-35B90659B7D6}" type="datetimeFigureOut">
               <a:rPr lang="en-US" smtClean="0"/>
-              <a:t>2/9/2023</a:t>
+              <a:t>2/10/2023</a:t>
             </a:fld>
             <a:endParaRPr lang="en-US"/>
           </a:p>
@@ -4633,8 +4431,8 @@
         </p:blipFill>
         <p:spPr>
           <a:xfrm>
-            <a:off x="-317867" y="0"/>
-            <a:ext cx="12912399" cy="6946768"/>
+            <a:off x="-157163" y="71436"/>
+            <a:ext cx="12470453" cy="6786564"/>
           </a:xfrm>
           <a:prstGeom prst="rect">
             <a:avLst/>
@@ -4683,106 +4481,6 @@
         </p:blipFill>
         <p:spPr>
           <a:xfrm>
-            <a:off x="-158599" y="0"/>
-            <a:ext cx="12451140" cy="6858000"/>
-          </a:xfrm>
-          <a:prstGeom prst="rect">
-            <a:avLst/>
-          </a:prstGeom>
-        </p:spPr>
-      </p:pic>
-    </p:spTree>
-  </p:cSld>
-  <p:clrMapOvr>
-    <a:masterClrMapping/>
-  </p:clrMapOvr>
-</p:sld>
-</file>
-
-<file path=ppt/slides/slide12.xml><?xml version="1.0" encoding="utf-8"?>
-<p:sld xmlns:a="http://schemas.openxmlformats.org/drawingml/2006/main" xmlns:r="http://schemas.openxmlformats.org/officeDocument/2006/relationships" xmlns:p="http://schemas.openxmlformats.org/presentationml/2006/main">
-  <p:cSld>
-    <p:spTree>
-      <p:nvGrpSpPr>
-        <p:cNvPr id="1" name=""/>
-        <p:cNvGrpSpPr/>
-        <p:nvPr/>
-      </p:nvGrpSpPr>
-      <p:grpSpPr>
-        <a:xfrm>
-          <a:off x="0" y="0"/>
-          <a:ext cx="0" cy="0"/>
-          <a:chOff x="0" y="0"/>
-          <a:chExt cx="0" cy="0"/>
-        </a:xfrm>
-      </p:grpSpPr>
-      <p:pic>
-        <p:nvPicPr>
-          <p:cNvPr id="4" name="Image 3"/>
-          <p:cNvPicPr>
-            <a:picLocks noChangeAspect="1"/>
-          </p:cNvPicPr>
-          <p:nvPr/>
-        </p:nvPicPr>
-        <p:blipFill>
-          <a:blip r:embed="rId1"/>
-          <a:srcRect/>
-          <a:stretch>
-            <a:fillRect/>
-          </a:stretch>
-        </p:blipFill>
-        <p:spPr>
-          <a:xfrm>
-            <a:off x="-157163" y="71436"/>
-            <a:ext cx="12470453" cy="6786564"/>
-          </a:xfrm>
-          <a:prstGeom prst="rect">
-            <a:avLst/>
-          </a:prstGeom>
-        </p:spPr>
-      </p:pic>
-    </p:spTree>
-  </p:cSld>
-  <p:clrMapOvr>
-    <a:masterClrMapping/>
-  </p:clrMapOvr>
-</p:sld>
-</file>
-
-<file path=ppt/slides/slide13.xml><?xml version="1.0" encoding="utf-8"?>
-<p:sld xmlns:a="http://schemas.openxmlformats.org/drawingml/2006/main" xmlns:r="http://schemas.openxmlformats.org/officeDocument/2006/relationships" xmlns:p="http://schemas.openxmlformats.org/presentationml/2006/main">
-  <p:cSld>
-    <p:spTree>
-      <p:nvGrpSpPr>
-        <p:cNvPr id="1" name=""/>
-        <p:cNvGrpSpPr/>
-        <p:nvPr/>
-      </p:nvGrpSpPr>
-      <p:grpSpPr>
-        <a:xfrm>
-          <a:off x="0" y="0"/>
-          <a:ext cx="0" cy="0"/>
-          <a:chOff x="0" y="0"/>
-          <a:chExt cx="0" cy="0"/>
-        </a:xfrm>
-      </p:grpSpPr>
-      <p:pic>
-        <p:nvPicPr>
-          <p:cNvPr id="4" name="Image 3"/>
-          <p:cNvPicPr>
-            <a:picLocks noChangeAspect="1"/>
-          </p:cNvPicPr>
-          <p:nvPr/>
-        </p:nvPicPr>
-        <p:blipFill>
-          <a:blip r:embed="rId1"/>
-          <a:srcRect/>
-          <a:stretch>
-            <a:fillRect/>
-          </a:stretch>
-        </p:blipFill>
-        <p:spPr>
-          <a:xfrm>
             <a:off x="0" y="0"/>
             <a:ext cx="12271375" cy="6858000"/>
           </a:xfrm>
@@ -4900,7 +4598,7 @@
               <a:t>What</a:t>
             </a:r>
             <a:r>
-              <a:rPr lang="" sz="5400" b="1">
+              <a:rPr sz="5400" b="1">
                 <a:solidFill>
                   <a:schemeClr val="accent6">
                     <a:lumMod val="50000"/>
@@ -4920,7 +4618,7 @@
               <a:t>is</a:t>
             </a:r>
             <a:r>
-              <a:rPr lang="" sz="5400" b="1">
+              <a:rPr sz="5400" b="1">
                 <a:solidFill>
                   <a:schemeClr val="accent6">
                     <a:lumMod val="50000"/>
@@ -4956,7 +4654,7 @@
               <a:t>Types</a:t>
             </a:r>
             <a:r>
-              <a:rPr lang="" sz="5400" b="1">
+              <a:rPr sz="5400" b="1">
                 <a:solidFill>
                   <a:schemeClr val="accent6">
                     <a:lumMod val="50000"/>
@@ -4976,7 +4674,7 @@
               <a:t>of</a:t>
             </a:r>
             <a:r>
-              <a:rPr lang="" sz="5400" b="1">
+              <a:rPr sz="5400" b="1">
                 <a:solidFill>
                   <a:schemeClr val="accent6">
                     <a:lumMod val="50000"/>
@@ -5172,13 +4870,15 @@
         </p:nvPicPr>
         <p:blipFill>
           <a:blip r:embed="rId1"/>
-          <a:srcRect b="19400"/>
-          <a:stretch/>
+          <a:srcRect/>
+          <a:stretch>
+            <a:fillRect/>
+          </a:stretch>
         </p:blipFill>
         <p:spPr>
           <a:xfrm>
-            <a:off x="-384803" y="0"/>
-            <a:ext cx="12576803" cy="6858000"/>
+            <a:off x="0" y="0"/>
+            <a:ext cx="12192000" cy="6922587"/>
           </a:xfrm>
           <a:prstGeom prst="rect">
             <a:avLst/>
@@ -5227,8 +4927,8 @@
         </p:blipFill>
         <p:spPr>
           <a:xfrm>
-            <a:off x="210195" y="135467"/>
-            <a:ext cx="11981805" cy="6641998"/>
+            <a:off x="-204688" y="0"/>
+            <a:ext cx="12866588" cy="6858000"/>
           </a:xfrm>
           <a:prstGeom prst="rect">
             <a:avLst/>
@@ -5277,8 +4977,8 @@
         </p:blipFill>
         <p:spPr>
           <a:xfrm>
-            <a:off x="-87727" y="0"/>
-            <a:ext cx="12502921" cy="6858000"/>
+            <a:off x="0" y="0"/>
+            <a:ext cx="12192000" cy="6858000"/>
           </a:xfrm>
           <a:prstGeom prst="rect">
             <a:avLst/>
@@ -5327,8 +5027,8 @@
         </p:blipFill>
         <p:spPr>
           <a:xfrm>
-            <a:off x="-204688" y="0"/>
-            <a:ext cx="12866588" cy="6858000"/>
+            <a:off x="0" y="0"/>
+            <a:ext cx="12391946" cy="6858000"/>
           </a:xfrm>
           <a:prstGeom prst="rect">
             <a:avLst/>
@@ -5377,8 +5077,8 @@
         </p:blipFill>
         <p:spPr>
           <a:xfrm>
-            <a:off x="0" y="0"/>
-            <a:ext cx="12192000" cy="6858000"/>
+            <a:off x="-317867" y="0"/>
+            <a:ext cx="12912399" cy="6946768"/>
           </a:xfrm>
           <a:prstGeom prst="rect">
             <a:avLst/>
@@ -5427,8 +5127,8 @@
         </p:blipFill>
         <p:spPr>
           <a:xfrm>
-            <a:off x="0" y="0"/>
-            <a:ext cx="12391946" cy="6858000"/>
+            <a:off x="-158599" y="0"/>
+            <a:ext cx="12451140" cy="6858000"/>
           </a:xfrm>
           <a:prstGeom prst="rect">
             <a:avLst/>
